--- a/Lecture Slides/21 Reboot.pptx
+++ b/Lecture Slides/21 Reboot.pptx
@@ -5,10 +5,10 @@
     <p:sldMasterId id="2147483684" r:id="rId1"/>
   </p:sldMasterIdLst>
   <p:notesMasterIdLst>
-    <p:notesMasterId r:id="rId20"/>
+    <p:notesMasterId r:id="rId22"/>
   </p:notesMasterIdLst>
   <p:handoutMasterIdLst>
-    <p:handoutMasterId r:id="rId21"/>
+    <p:handoutMasterId r:id="rId23"/>
   </p:handoutMasterIdLst>
   <p:sldIdLst>
     <p:sldId id="256" r:id="rId2"/>
@@ -22,13 +22,15 @@
     <p:sldId id="269" r:id="rId10"/>
     <p:sldId id="267" r:id="rId11"/>
     <p:sldId id="265" r:id="rId12"/>
-    <p:sldId id="270" r:id="rId13"/>
-    <p:sldId id="261" r:id="rId14"/>
-    <p:sldId id="258" r:id="rId15"/>
-    <p:sldId id="259" r:id="rId16"/>
-    <p:sldId id="266" r:id="rId17"/>
-    <p:sldId id="271" r:id="rId18"/>
-    <p:sldId id="273" r:id="rId19"/>
+    <p:sldId id="274" r:id="rId13"/>
+    <p:sldId id="275" r:id="rId14"/>
+    <p:sldId id="270" r:id="rId15"/>
+    <p:sldId id="261" r:id="rId16"/>
+    <p:sldId id="258" r:id="rId17"/>
+    <p:sldId id="259" r:id="rId18"/>
+    <p:sldId id="266" r:id="rId19"/>
+    <p:sldId id="271" r:id="rId20"/>
+    <p:sldId id="273" r:id="rId21"/>
   </p:sldIdLst>
   <p:sldSz cx="9144000" cy="6858000" type="screen4x3"/>
   <p:notesSz cx="6858000" cy="9144000"/>
@@ -3951,10 +3953,10 @@
       </p:grpSpPr>
       <p:sp>
         <p:nvSpPr>
-          <p:cNvPr id="2" name="Title 1">
+          <p:cNvPr id="4" name="Title 3">
             <a:extLst>
               <a:ext uri="{FF2B5EF4-FFF2-40B4-BE49-F238E27FC236}">
-                <a16:creationId xmlns:a16="http://schemas.microsoft.com/office/drawing/2014/main" id="{6C58B69A-1AF5-834D-87D7-F8D8E808174A}"/>
+                <a16:creationId xmlns:a16="http://schemas.microsoft.com/office/drawing/2014/main" id="{FBF8EF48-2672-4941-8A04-910E53159949}"/>
               </a:ext>
             </a:extLst>
           </p:cNvPr>
@@ -3970,19 +3972,27 @@
           <a:bodyPr/>
           <a:lstStyle/>
           <a:p>
-            <a:r>
-              <a:rPr lang="en-US" dirty="0"/>
-              <a:t>Reminder of Milestones &amp; Deadlines</a:t>
-            </a:r>
-          </a:p>
-        </p:txBody>
-      </p:sp>
-      <p:sp>
-        <p:nvSpPr>
-          <p:cNvPr id="3" name="Content Placeholder 2">
+            <a:pPr algn="ctr"/>
+            <a:r>
+              <a:rPr lang="en-US" dirty="0"/>
+              <a:t>Health and Safety</a:t>
+            </a:r>
+            <a:br>
+              <a:rPr lang="en-US" dirty="0"/>
+            </a:br>
+            <a:br>
+              <a:rPr lang="en-US" dirty="0"/>
+            </a:br>
+            <a:endParaRPr lang="en-US" dirty="0"/>
+          </a:p>
+        </p:txBody>
+      </p:sp>
+      <p:sp>
+        <p:nvSpPr>
+          <p:cNvPr id="5" name="Text Placeholder 4">
             <a:extLst>
               <a:ext uri="{FF2B5EF4-FFF2-40B4-BE49-F238E27FC236}">
-                <a16:creationId xmlns:a16="http://schemas.microsoft.com/office/drawing/2014/main" id="{75BC55E8-F4DE-F04E-A714-EF32581AD260}"/>
+                <a16:creationId xmlns:a16="http://schemas.microsoft.com/office/drawing/2014/main" id="{7A1BEA57-0463-B343-866E-2F5497B50934}"/>
               </a:ext>
             </a:extLst>
           </p:cNvPr>
@@ -3990,7 +4000,7 @@
             <a:spLocks noGrp="1"/>
           </p:cNvSpPr>
           <p:nvPr>
-            <p:ph idx="1"/>
+            <p:ph type="body" idx="1"/>
           </p:nvPr>
         </p:nvSpPr>
         <p:spPr/>
@@ -3998,78 +4008,14 @@
           <a:bodyPr/>
           <a:lstStyle/>
           <a:p>
-            <a:r>
-              <a:rPr lang="en-US" dirty="0"/>
-              <a:t>The next release to your clients (Beta) is 13</a:t>
-            </a:r>
-            <a:r>
-              <a:rPr lang="en-US" baseline="30000" dirty="0"/>
-              <a:t>th</a:t>
-            </a:r>
-            <a:r>
-              <a:rPr lang="en-US" dirty="0"/>
-              <a:t> Feb</a:t>
-            </a:r>
-          </a:p>
-          <a:p>
-            <a:r>
-              <a:rPr lang="en-US" dirty="0"/>
-              <a:t>Final release of the completed system is 17</a:t>
-            </a:r>
-            <a:r>
-              <a:rPr lang="en-US" baseline="30000" dirty="0"/>
-              <a:t>th</a:t>
-            </a:r>
-            <a:r>
-              <a:rPr lang="en-US" dirty="0"/>
-              <a:t> April</a:t>
-            </a:r>
-          </a:p>
-          <a:p>
-            <a:r>
-              <a:rPr lang="en-US" dirty="0"/>
-              <a:t>Final version of portfolio is also due on 17</a:t>
-            </a:r>
-            <a:r>
-              <a:rPr lang="en-US" baseline="30000" dirty="0"/>
-              <a:t>th</a:t>
-            </a:r>
-            <a:r>
-              <a:rPr lang="en-US" dirty="0"/>
-              <a:t> April</a:t>
-            </a:r>
-          </a:p>
-          <a:p>
-            <a:endParaRPr lang="en-US" dirty="0"/>
-          </a:p>
-          <a:p>
-            <a:r>
-              <a:rPr lang="en-US" dirty="0"/>
-              <a:t>Demo/discussions (</a:t>
-            </a:r>
-            <a:r>
-              <a:rPr lang="en-US" dirty="0" err="1"/>
-              <a:t>vivas</a:t>
-            </a:r>
-            <a:r>
-              <a:rPr lang="en-US" dirty="0"/>
-              <a:t>) take place w/c 29</a:t>
-            </a:r>
-            <a:r>
-              <a:rPr lang="en-US" baseline="30000" dirty="0"/>
-              <a:t>th</a:t>
-            </a:r>
-            <a:r>
-              <a:rPr lang="en-US" dirty="0"/>
-              <a:t> April</a:t>
-            </a:r>
+            <a:endParaRPr lang="en-US"/>
           </a:p>
         </p:txBody>
       </p:sp>
     </p:spTree>
     <p:extLst>
       <p:ext uri="{BB962C8B-B14F-4D97-AF65-F5344CB8AC3E}">
-        <p14:creationId xmlns:p14="http://schemas.microsoft.com/office/powerpoint/2010/main" val="1176465717"/>
+        <p14:creationId xmlns:p14="http://schemas.microsoft.com/office/powerpoint/2010/main" val="2950568219"/>
       </p:ext>
     </p:extLst>
   </p:cSld>
@@ -4101,7 +4047,7 @@
           <p:cNvPr id="4" name="Title 3">
             <a:extLst>
               <a:ext uri="{FF2B5EF4-FFF2-40B4-BE49-F238E27FC236}">
-                <a16:creationId xmlns:a16="http://schemas.microsoft.com/office/drawing/2014/main" id="{8DE361C5-C6EE-B541-9C85-8541F3BE8BE2}"/>
+                <a16:creationId xmlns:a16="http://schemas.microsoft.com/office/drawing/2014/main" id="{FBF8EF48-2672-4941-8A04-910E53159949}"/>
               </a:ext>
             </a:extLst>
           </p:cNvPr>
@@ -4112,20 +4058,15 @@
             <p:ph type="title"/>
           </p:nvPr>
         </p:nvSpPr>
-        <p:spPr>
-          <a:xfrm>
-            <a:off x="0" y="1709739"/>
-            <a:ext cx="9144000" cy="2852737"/>
-          </a:xfrm>
-        </p:spPr>
+        <p:spPr/>
         <p:txBody>
           <a:bodyPr/>
           <a:lstStyle/>
           <a:p>
             <a:pPr algn="ctr"/>
             <a:r>
-              <a:rPr lang="en-US" dirty="0"/>
-              <a:t>Final Marking Criteria ?</a:t>
+              <a:rPr lang="en-US"/>
+              <a:t>IP Addresses</a:t>
             </a:r>
             <a:br>
               <a:rPr lang="en-US" dirty="0"/>
@@ -4134,13 +4075,38 @@
               <a:rPr lang="en-US" dirty="0"/>
             </a:br>
             <a:endParaRPr lang="en-US" dirty="0"/>
+          </a:p>
+        </p:txBody>
+      </p:sp>
+      <p:sp>
+        <p:nvSpPr>
+          <p:cNvPr id="5" name="Text Placeholder 4">
+            <a:extLst>
+              <a:ext uri="{FF2B5EF4-FFF2-40B4-BE49-F238E27FC236}">
+                <a16:creationId xmlns:a16="http://schemas.microsoft.com/office/drawing/2014/main" id="{7A1BEA57-0463-B343-866E-2F5497B50934}"/>
+              </a:ext>
+            </a:extLst>
+          </p:cNvPr>
+          <p:cNvSpPr>
+            <a:spLocks noGrp="1"/>
+          </p:cNvSpPr>
+          <p:nvPr>
+            <p:ph type="body" idx="1"/>
+          </p:nvPr>
+        </p:nvSpPr>
+        <p:spPr/>
+        <p:txBody>
+          <a:bodyPr/>
+          <a:lstStyle/>
+          <a:p>
+            <a:endParaRPr lang="en-US"/>
           </a:p>
         </p:txBody>
       </p:sp>
     </p:spTree>
     <p:extLst>
       <p:ext uri="{BB962C8B-B14F-4D97-AF65-F5344CB8AC3E}">
-        <p14:creationId xmlns:p14="http://schemas.microsoft.com/office/powerpoint/2010/main" val="4227273342"/>
+        <p14:creationId xmlns:p14="http://schemas.microsoft.com/office/powerpoint/2010/main" val="3025737426"/>
       </p:ext>
     </p:extLst>
   </p:cSld>
@@ -4172,7 +4138,7 @@
           <p:cNvPr id="2" name="Title 1">
             <a:extLst>
               <a:ext uri="{FF2B5EF4-FFF2-40B4-BE49-F238E27FC236}">
-                <a16:creationId xmlns:a16="http://schemas.microsoft.com/office/drawing/2014/main" id="{494F5D21-3470-BF41-B883-2837ED949931}"/>
+                <a16:creationId xmlns:a16="http://schemas.microsoft.com/office/drawing/2014/main" id="{6C58B69A-1AF5-834D-87D7-F8D8E808174A}"/>
               </a:ext>
             </a:extLst>
           </p:cNvPr>
@@ -4190,7 +4156,7 @@
           <a:p>
             <a:r>
               <a:rPr lang="en-US" dirty="0"/>
-              <a:t>Portfolio (50% of unit assessment)</a:t>
+              <a:t>Reminder of Milestones &amp; Deadlines</a:t>
             </a:r>
           </a:p>
         </p:txBody>
@@ -4200,7 +4166,7 @@
           <p:cNvPr id="3" name="Content Placeholder 2">
             <a:extLst>
               <a:ext uri="{FF2B5EF4-FFF2-40B4-BE49-F238E27FC236}">
-                <a16:creationId xmlns:a16="http://schemas.microsoft.com/office/drawing/2014/main" id="{3F44FDFB-CDD0-2F4C-B9F1-A778EFBAF67F}"/>
+                <a16:creationId xmlns:a16="http://schemas.microsoft.com/office/drawing/2014/main" id="{75BC55E8-F4DE-F04E-A714-EF32581AD260}"/>
               </a:ext>
             </a:extLst>
           </p:cNvPr>
@@ -4218,55 +4184,68 @@
           <a:p>
             <a:r>
               <a:rPr lang="en-US" dirty="0"/>
-              <a:t>Overview</a:t>
-            </a:r>
-          </a:p>
-          <a:p>
-            <a:r>
-              <a:rPr lang="en-US" dirty="0"/>
-              <a:t>Requirements</a:t>
-            </a:r>
-          </a:p>
-          <a:p>
-            <a:r>
-              <a:rPr lang="en-US" dirty="0"/>
-              <a:t>Architecture and Design</a:t>
-            </a:r>
-          </a:p>
-          <a:p>
-            <a:r>
-              <a:rPr lang="en-US" dirty="0"/>
-              <a:t>Development Testing</a:t>
-            </a:r>
-          </a:p>
-          <a:p>
-            <a:r>
-              <a:rPr lang="en-US" dirty="0"/>
-              <a:t>Release/Integration Testing</a:t>
-            </a:r>
-          </a:p>
-          <a:p>
-            <a:r>
-              <a:rPr lang="en-US" dirty="0"/>
-              <a:t>Evaluation</a:t>
-            </a:r>
-          </a:p>
-          <a:p>
-            <a:r>
-              <a:rPr lang="en-US" dirty="0"/>
-              <a:t>Quality of writing, structure, use of diagrams etc.</a:t>
+              <a:t>The next release to your clients (Beta) is 13</a:t>
+            </a:r>
+            <a:r>
+              <a:rPr lang="en-US" baseline="30000" dirty="0"/>
+              <a:t>th</a:t>
+            </a:r>
+            <a:r>
+              <a:rPr lang="en-US" dirty="0"/>
+              <a:t> Feb</a:t>
+            </a:r>
+          </a:p>
+          <a:p>
+            <a:r>
+              <a:rPr lang="en-US" dirty="0"/>
+              <a:t>Final release of the completed system is 17</a:t>
+            </a:r>
+            <a:r>
+              <a:rPr lang="en-US" baseline="30000" dirty="0"/>
+              <a:t>th</a:t>
+            </a:r>
+            <a:r>
+              <a:rPr lang="en-US" dirty="0"/>
+              <a:t> April</a:t>
+            </a:r>
+          </a:p>
+          <a:p>
+            <a:r>
+              <a:rPr lang="en-US" dirty="0"/>
+              <a:t>Final version of portfolio is also due on 17</a:t>
+            </a:r>
+            <a:r>
+              <a:rPr lang="en-US" baseline="30000" dirty="0"/>
+              <a:t>th</a:t>
+            </a:r>
+            <a:r>
+              <a:rPr lang="en-US" dirty="0"/>
+              <a:t> April</a:t>
             </a:r>
           </a:p>
           <a:p>
             <a:endParaRPr lang="en-US" dirty="0"/>
           </a:p>
           <a:p>
-            <a:pPr marL="0" indent="0">
-              <a:buNone/>
-            </a:pPr>
-            <a:r>
-              <a:rPr lang="en-US" dirty="0"/>
-              <a:t>You’ve had feedback on a draft of most of these !</a:t>
+            <a:r>
+              <a:rPr lang="en-US" dirty="0"/>
+              <a:t>Demo/discussions (</a:t>
+            </a:r>
+            <a:r>
+              <a:rPr lang="en-US" dirty="0" err="1"/>
+              <a:t>vivas</a:t>
+            </a:r>
+            <a:r>
+              <a:rPr lang="en-US" dirty="0"/>
+              <a:t>) take place w/c 29</a:t>
+            </a:r>
+            <a:r>
+              <a:rPr lang="en-US" baseline="30000" dirty="0"/>
+              <a:t>th</a:t>
+            </a:r>
+            <a:r>
+              <a:rPr lang="en-US" dirty="0"/>
+              <a:t> April</a:t>
             </a:r>
           </a:p>
         </p:txBody>
@@ -4274,7 +4253,7 @@
     </p:spTree>
     <p:extLst>
       <p:ext uri="{BB962C8B-B14F-4D97-AF65-F5344CB8AC3E}">
-        <p14:creationId xmlns:p14="http://schemas.microsoft.com/office/powerpoint/2010/main" val="1811929266"/>
+        <p14:creationId xmlns:p14="http://schemas.microsoft.com/office/powerpoint/2010/main" val="1176465717"/>
       </p:ext>
     </p:extLst>
   </p:cSld>
@@ -4303,10 +4282,10 @@
       </p:grpSpPr>
       <p:sp>
         <p:nvSpPr>
-          <p:cNvPr id="2" name="Title 1">
+          <p:cNvPr id="4" name="Title 3">
             <a:extLst>
               <a:ext uri="{FF2B5EF4-FFF2-40B4-BE49-F238E27FC236}">
-                <a16:creationId xmlns:a16="http://schemas.microsoft.com/office/drawing/2014/main" id="{09F6F484-1941-BF47-999D-D2D77E8FBE87}"/>
+                <a16:creationId xmlns:a16="http://schemas.microsoft.com/office/drawing/2014/main" id="{8DE361C5-C6EE-B541-9C85-8541F3BE8BE2}"/>
               </a:ext>
             </a:extLst>
           </p:cNvPr>
@@ -4317,112 +4296,35 @@
             <p:ph type="title"/>
           </p:nvPr>
         </p:nvSpPr>
-        <p:spPr/>
-        <p:txBody>
-          <a:bodyPr/>
-          <a:lstStyle/>
-          <a:p>
-            <a:r>
-              <a:rPr lang="en-US" dirty="0"/>
-              <a:t>Demo and Discussion (remaining 50%) </a:t>
-            </a:r>
-          </a:p>
-        </p:txBody>
-      </p:sp>
-      <p:sp>
-        <p:nvSpPr>
-          <p:cNvPr id="3" name="Content Placeholder 2">
-            <a:extLst>
-              <a:ext uri="{FF2B5EF4-FFF2-40B4-BE49-F238E27FC236}">
-                <a16:creationId xmlns:a16="http://schemas.microsoft.com/office/drawing/2014/main" id="{BCF0ECA3-79A4-2D43-A352-7BAF92653E7D}"/>
-              </a:ext>
-            </a:extLst>
-          </p:cNvPr>
-          <p:cNvSpPr>
-            <a:spLocks noGrp="1"/>
-          </p:cNvSpPr>
-          <p:nvPr>
-            <p:ph idx="1"/>
-          </p:nvPr>
-        </p:nvSpPr>
-        <p:spPr/>
-        <p:txBody>
-          <a:bodyPr>
-            <a:normAutofit fontScale="85000" lnSpcReduction="10000"/>
-          </a:bodyPr>
-          <a:lstStyle/>
-          <a:p>
-            <a:r>
-              <a:rPr lang="en-US" dirty="0"/>
-              <a:t>Product extent (how large and ambitious)</a:t>
-            </a:r>
-          </a:p>
-          <a:p>
-            <a:r>
-              <a:rPr lang="en-US" dirty="0"/>
-              <a:t>Product sophistication (UI, data storage, security etc.)</a:t>
-            </a:r>
-          </a:p>
-          <a:p>
-            <a:r>
-              <a:rPr lang="en-US" dirty="0"/>
-              <a:t>Product implementation (language, platform, infrastructure)</a:t>
-            </a:r>
-          </a:p>
-          <a:p>
-            <a:r>
-              <a:rPr lang="en-US" dirty="0"/>
-              <a:t>Product user manual/documentation</a:t>
-            </a:r>
-          </a:p>
-          <a:p>
+        <p:spPr>
+          <a:xfrm>
+            <a:off x="0" y="1709739"/>
+            <a:ext cx="9144000" cy="2852737"/>
+          </a:xfrm>
+        </p:spPr>
+        <p:txBody>
+          <a:bodyPr/>
+          <a:lstStyle/>
+          <a:p>
+            <a:pPr algn="ctr"/>
+            <a:r>
+              <a:rPr lang="en-US" dirty="0"/>
+              <a:t>Final Marking Criteria ?</a:t>
+            </a:r>
+            <a:br>
+              <a:rPr lang="en-US" dirty="0"/>
+            </a:br>
+            <a:br>
+              <a:rPr lang="en-US" dirty="0"/>
+            </a:br>
             <a:endParaRPr lang="en-US" dirty="0"/>
-          </a:p>
-          <a:p>
-            <a:r>
-              <a:rPr lang="en-US" dirty="0"/>
-              <a:t>Process planning (OP, work packages, activity diagram etc.)</a:t>
-            </a:r>
-          </a:p>
-          <a:p>
-            <a:r>
-              <a:rPr lang="en-US" dirty="0"/>
-              <a:t>Process practices (e.g. pair prog., TDD, Iterative, CI, CD, etc.)</a:t>
-            </a:r>
-          </a:p>
-          <a:p>
-            <a:r>
-              <a:rPr lang="en-US" dirty="0"/>
-              <a:t>Process support tools (IDEs, testing, deploy, version man.)</a:t>
-            </a:r>
-          </a:p>
-          <a:p>
-            <a:endParaRPr lang="en-US" dirty="0"/>
-          </a:p>
-          <a:p>
-            <a:r>
-              <a:rPr lang="en-US" dirty="0"/>
-              <a:t>Evaluation (technique, ”real” users, “real” context)</a:t>
-            </a:r>
-          </a:p>
-          <a:p>
-            <a:r>
-              <a:rPr lang="en-US" dirty="0"/>
-              <a:t>Quality of Demonstration and Discussion</a:t>
-            </a:r>
-          </a:p>
-          <a:p>
-            <a:r>
-              <a:rPr lang="en-US" dirty="0"/>
-              <a:t>Social (team coherence, engagement with client)</a:t>
-            </a:r>
           </a:p>
         </p:txBody>
       </p:sp>
     </p:spTree>
     <p:extLst>
       <p:ext uri="{BB962C8B-B14F-4D97-AF65-F5344CB8AC3E}">
-        <p14:creationId xmlns:p14="http://schemas.microsoft.com/office/powerpoint/2010/main" val="4041630642"/>
+        <p14:creationId xmlns:p14="http://schemas.microsoft.com/office/powerpoint/2010/main" val="4227273342"/>
       </p:ext>
     </p:extLst>
   </p:cSld>
@@ -4454,7 +4356,7 @@
           <p:cNvPr id="2" name="Title 1">
             <a:extLst>
               <a:ext uri="{FF2B5EF4-FFF2-40B4-BE49-F238E27FC236}">
-                <a16:creationId xmlns:a16="http://schemas.microsoft.com/office/drawing/2014/main" id="{58EF309E-792B-3049-B0C9-4EDD6A88F25C}"/>
+                <a16:creationId xmlns:a16="http://schemas.microsoft.com/office/drawing/2014/main" id="{494F5D21-3470-BF41-B883-2837ED949931}"/>
               </a:ext>
             </a:extLst>
           </p:cNvPr>
@@ -4472,7 +4374,7 @@
           <a:p>
             <a:r>
               <a:rPr lang="en-US" dirty="0"/>
-              <a:t>Words of caution !</a:t>
+              <a:t>Portfolio (50% of unit assessment)</a:t>
             </a:r>
           </a:p>
         </p:txBody>
@@ -4482,7 +4384,7 @@
           <p:cNvPr id="3" name="Content Placeholder 2">
             <a:extLst>
               <a:ext uri="{FF2B5EF4-FFF2-40B4-BE49-F238E27FC236}">
-                <a16:creationId xmlns:a16="http://schemas.microsoft.com/office/drawing/2014/main" id="{888DF3B1-73C9-0347-B1C1-E91F653CEA37}"/>
+                <a16:creationId xmlns:a16="http://schemas.microsoft.com/office/drawing/2014/main" id="{3F44FDFB-CDD0-2F4C-B9F1-A778EFBAF67F}"/>
               </a:ext>
             </a:extLst>
           </p:cNvPr>
@@ -4499,62 +4401,64 @@
           <a:lstStyle/>
           <a:p>
             <a:r>
-              <a:rPr lang="en-US" i="1" u="sng" dirty="0"/>
-              <a:t>Do</a:t>
-            </a:r>
-            <a:r>
-              <a:rPr lang="en-US" dirty="0"/>
-              <a:t> listen to feedback from clients…</a:t>
-            </a:r>
-          </a:p>
-          <a:p>
-            <a:r>
-              <a:rPr lang="en-US" dirty="0"/>
-              <a:t>But remember that they won’t be marking you !</a:t>
+              <a:rPr lang="en-US" dirty="0"/>
+              <a:t>Overview</a:t>
+            </a:r>
+          </a:p>
+          <a:p>
+            <a:r>
+              <a:rPr lang="en-US" dirty="0"/>
+              <a:t>Requirements</a:t>
+            </a:r>
+          </a:p>
+          <a:p>
+            <a:r>
+              <a:rPr lang="en-US" dirty="0"/>
+              <a:t>Architecture and Design</a:t>
+            </a:r>
+          </a:p>
+          <a:p>
+            <a:r>
+              <a:rPr lang="en-US" dirty="0"/>
+              <a:t>Development Testing</a:t>
+            </a:r>
+          </a:p>
+          <a:p>
+            <a:r>
+              <a:rPr lang="en-US" dirty="0"/>
+              <a:t>Release/Integration Testing</a:t>
+            </a:r>
+          </a:p>
+          <a:p>
+            <a:r>
+              <a:rPr lang="en-US" dirty="0"/>
+              <a:t>Evaluation</a:t>
+            </a:r>
+          </a:p>
+          <a:p>
+            <a:r>
+              <a:rPr lang="en-US" dirty="0"/>
+              <a:t>Quality of writing, structure, use of diagrams etc.</a:t>
             </a:r>
           </a:p>
           <a:p>
             <a:endParaRPr lang="en-US" dirty="0"/>
           </a:p>
           <a:p>
-            <a:r>
-              <a:rPr lang="en-US" dirty="0"/>
-              <a:t>This unit is certainly about creating a product…</a:t>
-            </a:r>
-          </a:p>
-          <a:p>
-            <a:r>
-              <a:rPr lang="en-US" dirty="0"/>
-              <a:t>But there’s much more to a product than just code</a:t>
-            </a:r>
-          </a:p>
-          <a:p>
-            <a:endParaRPr lang="en-US" dirty="0"/>
-          </a:p>
-          <a:p>
-            <a:r>
-              <a:rPr lang="en-US" dirty="0"/>
-              <a:t>On some units you can get away with heroic effort</a:t>
-            </a:r>
-          </a:p>
-          <a:p>
-            <a:r>
-              <a:rPr lang="en-US" dirty="0"/>
-              <a:t>On SPE you must work consistently &amp; systematically</a:t>
-            </a:r>
-          </a:p>
-          <a:p>
             <a:pPr marL="0" indent="0">
               <a:buNone/>
             </a:pPr>
-            <a:endParaRPr lang="en-US" dirty="0"/>
+            <a:r>
+              <a:rPr lang="en-US" dirty="0"/>
+              <a:t>You’ve had feedback on a draft of most of these !</a:t>
+            </a:r>
           </a:p>
         </p:txBody>
       </p:sp>
     </p:spTree>
     <p:extLst>
       <p:ext uri="{BB962C8B-B14F-4D97-AF65-F5344CB8AC3E}">
-        <p14:creationId xmlns:p14="http://schemas.microsoft.com/office/powerpoint/2010/main" val="586129287"/>
+        <p14:creationId xmlns:p14="http://schemas.microsoft.com/office/powerpoint/2010/main" val="1811929266"/>
       </p:ext>
     </p:extLst>
   </p:cSld>
@@ -4583,10 +4487,10 @@
       </p:grpSpPr>
       <p:sp>
         <p:nvSpPr>
-          <p:cNvPr id="4" name="Title 3">
+          <p:cNvPr id="2" name="Title 1">
             <a:extLst>
               <a:ext uri="{FF2B5EF4-FFF2-40B4-BE49-F238E27FC236}">
-                <a16:creationId xmlns:a16="http://schemas.microsoft.com/office/drawing/2014/main" id="{D9B2CA30-F2A7-6048-95AB-313AD99F2FF0}"/>
+                <a16:creationId xmlns:a16="http://schemas.microsoft.com/office/drawing/2014/main" id="{09F6F484-1941-BF47-999D-D2D77E8FBE87}"/>
               </a:ext>
             </a:extLst>
           </p:cNvPr>
@@ -4602,25 +4506,107 @@
           <a:bodyPr/>
           <a:lstStyle/>
           <a:p>
-            <a:pPr algn="ctr"/>
-            <a:r>
-              <a:rPr lang="en-US" dirty="0"/>
-              <a:t>Questions ?</a:t>
-            </a:r>
-            <a:br>
-              <a:rPr lang="en-US" dirty="0"/>
-            </a:br>
-            <a:br>
-              <a:rPr lang="en-US" dirty="0"/>
-            </a:br>
+            <a:r>
+              <a:rPr lang="en-US" dirty="0"/>
+              <a:t>Demo and Discussion (remaining 50%) </a:t>
+            </a:r>
+          </a:p>
+        </p:txBody>
+      </p:sp>
+      <p:sp>
+        <p:nvSpPr>
+          <p:cNvPr id="3" name="Content Placeholder 2">
+            <a:extLst>
+              <a:ext uri="{FF2B5EF4-FFF2-40B4-BE49-F238E27FC236}">
+                <a16:creationId xmlns:a16="http://schemas.microsoft.com/office/drawing/2014/main" id="{BCF0ECA3-79A4-2D43-A352-7BAF92653E7D}"/>
+              </a:ext>
+            </a:extLst>
+          </p:cNvPr>
+          <p:cNvSpPr>
+            <a:spLocks noGrp="1"/>
+          </p:cNvSpPr>
+          <p:nvPr>
+            <p:ph idx="1"/>
+          </p:nvPr>
+        </p:nvSpPr>
+        <p:spPr/>
+        <p:txBody>
+          <a:bodyPr>
+            <a:normAutofit fontScale="85000" lnSpcReduction="10000"/>
+          </a:bodyPr>
+          <a:lstStyle/>
+          <a:p>
+            <a:r>
+              <a:rPr lang="en-US" dirty="0"/>
+              <a:t>Product extent (how large and ambitious)</a:t>
+            </a:r>
+          </a:p>
+          <a:p>
+            <a:r>
+              <a:rPr lang="en-US" dirty="0"/>
+              <a:t>Product sophistication (UI, data storage, security etc.)</a:t>
+            </a:r>
+          </a:p>
+          <a:p>
+            <a:r>
+              <a:rPr lang="en-US" dirty="0"/>
+              <a:t>Product implementation (language, platform, infrastructure)</a:t>
+            </a:r>
+          </a:p>
+          <a:p>
+            <a:r>
+              <a:rPr lang="en-US" dirty="0"/>
+              <a:t>Product user manual/documentation</a:t>
+            </a:r>
+          </a:p>
+          <a:p>
             <a:endParaRPr lang="en-US" dirty="0"/>
+          </a:p>
+          <a:p>
+            <a:r>
+              <a:rPr lang="en-US" dirty="0"/>
+              <a:t>Process planning (OP, work packages, activity diagram etc.)</a:t>
+            </a:r>
+          </a:p>
+          <a:p>
+            <a:r>
+              <a:rPr lang="en-US" dirty="0"/>
+              <a:t>Process practices (e.g. pair prog., TDD, Iterative, CI, CD, etc.)</a:t>
+            </a:r>
+          </a:p>
+          <a:p>
+            <a:r>
+              <a:rPr lang="en-US" dirty="0"/>
+              <a:t>Process support tools (IDEs, testing, deploy, version man.)</a:t>
+            </a:r>
+          </a:p>
+          <a:p>
+            <a:endParaRPr lang="en-US" dirty="0"/>
+          </a:p>
+          <a:p>
+            <a:r>
+              <a:rPr lang="en-US" dirty="0"/>
+              <a:t>Evaluation (technique, ”real” users, “real” context)</a:t>
+            </a:r>
+          </a:p>
+          <a:p>
+            <a:r>
+              <a:rPr lang="en-US" dirty="0"/>
+              <a:t>Quality of Demonstration and Discussion</a:t>
+            </a:r>
+          </a:p>
+          <a:p>
+            <a:r>
+              <a:rPr lang="en-US" dirty="0"/>
+              <a:t>Social (team coherence, engagement with client)</a:t>
+            </a:r>
           </a:p>
         </p:txBody>
       </p:sp>
     </p:spTree>
     <p:extLst>
       <p:ext uri="{BB962C8B-B14F-4D97-AF65-F5344CB8AC3E}">
-        <p14:creationId xmlns:p14="http://schemas.microsoft.com/office/powerpoint/2010/main" val="1198072662"/>
+        <p14:creationId xmlns:p14="http://schemas.microsoft.com/office/powerpoint/2010/main" val="4041630642"/>
       </p:ext>
     </p:extLst>
   </p:cSld>
@@ -4649,6 +4635,138 @@
       </p:grpSpPr>
       <p:sp>
         <p:nvSpPr>
+          <p:cNvPr id="2" name="Title 1">
+            <a:extLst>
+              <a:ext uri="{FF2B5EF4-FFF2-40B4-BE49-F238E27FC236}">
+                <a16:creationId xmlns:a16="http://schemas.microsoft.com/office/drawing/2014/main" id="{58EF309E-792B-3049-B0C9-4EDD6A88F25C}"/>
+              </a:ext>
+            </a:extLst>
+          </p:cNvPr>
+          <p:cNvSpPr>
+            <a:spLocks noGrp="1"/>
+          </p:cNvSpPr>
+          <p:nvPr>
+            <p:ph type="title"/>
+          </p:nvPr>
+        </p:nvSpPr>
+        <p:spPr/>
+        <p:txBody>
+          <a:bodyPr/>
+          <a:lstStyle/>
+          <a:p>
+            <a:r>
+              <a:rPr lang="en-US" dirty="0"/>
+              <a:t>Words of caution !</a:t>
+            </a:r>
+          </a:p>
+        </p:txBody>
+      </p:sp>
+      <p:sp>
+        <p:nvSpPr>
+          <p:cNvPr id="3" name="Content Placeholder 2">
+            <a:extLst>
+              <a:ext uri="{FF2B5EF4-FFF2-40B4-BE49-F238E27FC236}">
+                <a16:creationId xmlns:a16="http://schemas.microsoft.com/office/drawing/2014/main" id="{888DF3B1-73C9-0347-B1C1-E91F653CEA37}"/>
+              </a:ext>
+            </a:extLst>
+          </p:cNvPr>
+          <p:cNvSpPr>
+            <a:spLocks noGrp="1"/>
+          </p:cNvSpPr>
+          <p:nvPr>
+            <p:ph idx="1"/>
+          </p:nvPr>
+        </p:nvSpPr>
+        <p:spPr/>
+        <p:txBody>
+          <a:bodyPr/>
+          <a:lstStyle/>
+          <a:p>
+            <a:r>
+              <a:rPr lang="en-US" i="1" u="sng" dirty="0"/>
+              <a:t>Do</a:t>
+            </a:r>
+            <a:r>
+              <a:rPr lang="en-US" dirty="0"/>
+              <a:t> listen to feedback from clients…</a:t>
+            </a:r>
+          </a:p>
+          <a:p>
+            <a:r>
+              <a:rPr lang="en-US" dirty="0"/>
+              <a:t>But remember that they won’t be marking you !</a:t>
+            </a:r>
+          </a:p>
+          <a:p>
+            <a:endParaRPr lang="en-US" dirty="0"/>
+          </a:p>
+          <a:p>
+            <a:r>
+              <a:rPr lang="en-US" dirty="0"/>
+              <a:t>This unit is certainly about creating a product…</a:t>
+            </a:r>
+          </a:p>
+          <a:p>
+            <a:r>
+              <a:rPr lang="en-US" dirty="0"/>
+              <a:t>But there’s much more to a product than just code</a:t>
+            </a:r>
+          </a:p>
+          <a:p>
+            <a:endParaRPr lang="en-US" dirty="0"/>
+          </a:p>
+          <a:p>
+            <a:r>
+              <a:rPr lang="en-US" dirty="0"/>
+              <a:t>On some units you can get away with heroic effort</a:t>
+            </a:r>
+          </a:p>
+          <a:p>
+            <a:r>
+              <a:rPr lang="en-US" dirty="0"/>
+              <a:t>On SPE you must work consistently &amp; systematically</a:t>
+            </a:r>
+          </a:p>
+          <a:p>
+            <a:pPr marL="0" indent="0">
+              <a:buNone/>
+            </a:pPr>
+            <a:endParaRPr lang="en-US" dirty="0"/>
+          </a:p>
+        </p:txBody>
+      </p:sp>
+    </p:spTree>
+    <p:extLst>
+      <p:ext uri="{BB962C8B-B14F-4D97-AF65-F5344CB8AC3E}">
+        <p14:creationId xmlns:p14="http://schemas.microsoft.com/office/powerpoint/2010/main" val="586129287"/>
+      </p:ext>
+    </p:extLst>
+  </p:cSld>
+  <p:clrMapOvr>
+    <a:masterClrMapping/>
+  </p:clrMapOvr>
+</p:sld>
+</file>
+
+<file path=ppt/slides/slide19.xml><?xml version="1.0" encoding="utf-8"?>
+<p:sld xmlns:a="http://schemas.openxmlformats.org/drawingml/2006/main" xmlns:r="http://schemas.openxmlformats.org/officeDocument/2006/relationships" xmlns:p="http://schemas.openxmlformats.org/presentationml/2006/main">
+  <p:cSld>
+    <p:spTree>
+      <p:nvGrpSpPr>
+        <p:cNvPr id="1" name=""/>
+        <p:cNvGrpSpPr/>
+        <p:nvPr/>
+      </p:nvGrpSpPr>
+      <p:grpSpPr>
+        <a:xfrm>
+          <a:off x="0" y="0"/>
+          <a:ext cx="0" cy="0"/>
+          <a:chOff x="0" y="0"/>
+          <a:chExt cx="0" cy="0"/>
+        </a:xfrm>
+      </p:grpSpPr>
+      <p:sp>
+        <p:nvSpPr>
           <p:cNvPr id="4" name="Title 3">
             <a:extLst>
               <a:ext uri="{FF2B5EF4-FFF2-40B4-BE49-F238E27FC236}">
@@ -4671,7 +4789,7 @@
             <a:pPr algn="ctr"/>
             <a:r>
               <a:rPr lang="en-US" dirty="0"/>
-              <a:t>Videos from previous years</a:t>
+              <a:t>Questions ?</a:t>
             </a:r>
             <a:br>
               <a:rPr lang="en-US" dirty="0"/>
@@ -4686,7 +4804,7 @@
     </p:spTree>
     <p:extLst>
       <p:ext uri="{BB962C8B-B14F-4D97-AF65-F5344CB8AC3E}">
-        <p14:creationId xmlns:p14="http://schemas.microsoft.com/office/powerpoint/2010/main" val="2126754116"/>
+        <p14:creationId xmlns:p14="http://schemas.microsoft.com/office/powerpoint/2010/main" val="1198072662"/>
       </p:ext>
     </p:extLst>
   </p:cSld>
@@ -4842,6 +4960,72 @@
     <p:extLst>
       <p:ext uri="{BB962C8B-B14F-4D97-AF65-F5344CB8AC3E}">
         <p14:creationId xmlns:p14="http://schemas.microsoft.com/office/powerpoint/2010/main" val="98321666"/>
+      </p:ext>
+    </p:extLst>
+  </p:cSld>
+  <p:clrMapOvr>
+    <a:masterClrMapping/>
+  </p:clrMapOvr>
+</p:sld>
+</file>
+
+<file path=ppt/slides/slide20.xml><?xml version="1.0" encoding="utf-8"?>
+<p:sld xmlns:a="http://schemas.openxmlformats.org/drawingml/2006/main" xmlns:r="http://schemas.openxmlformats.org/officeDocument/2006/relationships" xmlns:p="http://schemas.openxmlformats.org/presentationml/2006/main">
+  <p:cSld>
+    <p:spTree>
+      <p:nvGrpSpPr>
+        <p:cNvPr id="1" name=""/>
+        <p:cNvGrpSpPr/>
+        <p:nvPr/>
+      </p:nvGrpSpPr>
+      <p:grpSpPr>
+        <a:xfrm>
+          <a:off x="0" y="0"/>
+          <a:ext cx="0" cy="0"/>
+          <a:chOff x="0" y="0"/>
+          <a:chExt cx="0" cy="0"/>
+        </a:xfrm>
+      </p:grpSpPr>
+      <p:sp>
+        <p:nvSpPr>
+          <p:cNvPr id="4" name="Title 3">
+            <a:extLst>
+              <a:ext uri="{FF2B5EF4-FFF2-40B4-BE49-F238E27FC236}">
+                <a16:creationId xmlns:a16="http://schemas.microsoft.com/office/drawing/2014/main" id="{D9B2CA30-F2A7-6048-95AB-313AD99F2FF0}"/>
+              </a:ext>
+            </a:extLst>
+          </p:cNvPr>
+          <p:cNvSpPr>
+            <a:spLocks noGrp="1"/>
+          </p:cNvSpPr>
+          <p:nvPr>
+            <p:ph type="title"/>
+          </p:nvPr>
+        </p:nvSpPr>
+        <p:spPr/>
+        <p:txBody>
+          <a:bodyPr/>
+          <a:lstStyle/>
+          <a:p>
+            <a:pPr algn="ctr"/>
+            <a:r>
+              <a:rPr lang="en-US" dirty="0"/>
+              <a:t>Videos from previous years</a:t>
+            </a:r>
+            <a:br>
+              <a:rPr lang="en-US" dirty="0"/>
+            </a:br>
+            <a:br>
+              <a:rPr lang="en-US" dirty="0"/>
+            </a:br>
+            <a:endParaRPr lang="en-US" dirty="0"/>
+          </a:p>
+        </p:txBody>
+      </p:sp>
+    </p:spTree>
+    <p:extLst>
+      <p:ext uri="{BB962C8B-B14F-4D97-AF65-F5344CB8AC3E}">
+        <p14:creationId xmlns:p14="http://schemas.microsoft.com/office/powerpoint/2010/main" val="2126754116"/>
       </p:ext>
     </p:extLst>
   </p:cSld>
